--- a/doc/finalpresentation.pptx
+++ b/doc/finalpresentation.pptx
@@ -21,9 +21,8 @@
     <p:sldId id="270" r:id="rId15"/>
     <p:sldId id="274" r:id="rId16"/>
     <p:sldId id="264" r:id="rId17"/>
-    <p:sldId id="273" r:id="rId18"/>
-    <p:sldId id="265" r:id="rId19"/>
-    <p:sldId id="260" r:id="rId20"/>
+    <p:sldId id="265" r:id="rId18"/>
+    <p:sldId id="260" r:id="rId19"/>
   </p:sldIdLst>
   <p:sldSz cx="9144000" cy="6858000" type="screen4x3"/>
   <p:notesSz cx="6858000" cy="9144000"/>
@@ -8533,7 +8532,6 @@
               <a:rPr lang="en-US" dirty="0" smtClean="0"/>
               <a:t>: correct docs / relevant docs</a:t>
             </a:r>
-            <a:endParaRPr lang="en-US" dirty="0" smtClean="0"/>
           </a:p>
           <a:p>
             <a:r>
@@ -8683,7 +8681,7 @@
             </a:pPr>
             <a:r>
               <a:rPr lang="en-US" b="1" dirty="0" smtClean="0"/>
-              <a:t>TABLE</a:t>
+              <a:t>BEST PER VECTORIZER BIG TABLE</a:t>
             </a:r>
             <a:endParaRPr lang="en-US" b="1" dirty="0"/>
           </a:p>
@@ -8780,7 +8778,19 @@
             </a:r>
             <a:r>
               <a:rPr lang="en-US" dirty="0" smtClean="0"/>
-              <a:t>xx % accuracy on Questions</a:t>
+              <a:t>40.7</a:t>
+            </a:r>
+            <a:r>
+              <a:rPr lang="en-US" dirty="0"/>
+              <a:t>0</a:t>
+            </a:r>
+            <a:r>
+              <a:rPr lang="en-US" dirty="0" smtClean="0"/>
+              <a:t>% </a:t>
+            </a:r>
+            <a:r>
+              <a:rPr lang="en-US" dirty="0" smtClean="0"/>
+              <a:t>accuracy on Questions</a:t>
             </a:r>
             <a:br>
               <a:rPr lang="en-US" dirty="0" smtClean="0"/>
@@ -8843,16 +8853,11 @@
               <a:rPr lang="en-US" dirty="0" smtClean="0"/>
               <a:t>ad at handling language differences </a:t>
             </a:r>
-            <a:endParaRPr lang="en-US" dirty="0" smtClean="0"/>
           </a:p>
           <a:p>
             <a:r>
               <a:rPr lang="en-US" b="1" dirty="0" smtClean="0"/>
-              <a:t>TAG BASED</a:t>
-            </a:r>
-            <a:r>
-              <a:rPr lang="en-US" b="1" dirty="0" smtClean="0"/>
-              <a:t>: </a:t>
+              <a:t>TAG BASED: </a:t>
             </a:r>
             <a:br>
               <a:rPr lang="en-US" b="1" dirty="0" smtClean="0"/>
@@ -8870,8 +8875,12 @@
               <a:t>+ </a:t>
             </a:r>
             <a:r>
+              <a:rPr lang="en-US" dirty="0" smtClean="0"/>
+              <a:t>35.31% </a:t>
+            </a:r>
+            <a:r>
               <a:rPr lang="en-US" dirty="0"/>
-              <a:t>xx % accuracy </a:t>
+              <a:t>accuracy </a:t>
             </a:r>
             <a:r>
               <a:rPr lang="en-US" dirty="0" smtClean="0"/>
@@ -8894,7 +8903,19 @@
             </a:r>
             <a:r>
               <a:rPr lang="en-US" dirty="0" smtClean="0"/>
-              <a:t> xx % accuracy on Questions</a:t>
+              <a:t> </a:t>
+            </a:r>
+            <a:r>
+              <a:rPr lang="en-US" dirty="0" smtClean="0"/>
+              <a:t>16.67</a:t>
+            </a:r>
+            <a:r>
+              <a:rPr lang="en-US" dirty="0" smtClean="0"/>
+              <a:t> </a:t>
+            </a:r>
+            <a:r>
+              <a:rPr lang="en-US" dirty="0" smtClean="0"/>
+              <a:t>% accuracy on Questions</a:t>
             </a:r>
             <a:br>
               <a:rPr lang="en-US" dirty="0" smtClean="0"/>
@@ -8997,10 +9018,27 @@
               <a:buNone/>
             </a:pPr>
             <a:r>
+              <a:rPr lang="en-US" b="1" dirty="0"/>
+              <a:t>BEST PER VECTORIZER BIG </a:t>
+            </a:r>
+            <a:r>
               <a:rPr lang="en-US" b="1" dirty="0" smtClean="0"/>
               <a:t>TABLE</a:t>
             </a:r>
-            <a:endParaRPr lang="en-US" i="1" dirty="0"/>
+          </a:p>
+          <a:p>
+            <a:pPr marL="0" indent="0">
+              <a:buNone/>
+            </a:pPr>
+            <a:r>
+              <a:rPr lang="en-US" b="1" dirty="0"/>
+              <a:t>BEST PER VECTORIZER </a:t>
+            </a:r>
+            <a:r>
+              <a:rPr lang="en-US" b="1" dirty="0" smtClean="0"/>
+              <a:t>THRESHOLDS</a:t>
+            </a:r>
+            <a:endParaRPr lang="en-US" b="1" dirty="0"/>
           </a:p>
         </p:txBody>
       </p:sp>
@@ -9306,7 +9344,23 @@
             </a:r>
             <a:r>
               <a:rPr lang="en-US" dirty="0" smtClean="0"/>
-              <a:t>: xx% of the recommendations make sense</a:t>
+              <a:t>: </a:t>
+            </a:r>
+            <a:r>
+              <a:rPr lang="en-US" dirty="0" smtClean="0"/>
+              <a:t>50</a:t>
+            </a:r>
+            <a:r>
+              <a:rPr lang="en-US" dirty="0" smtClean="0"/>
+              <a:t>.93</a:t>
+            </a:r>
+            <a:r>
+              <a:rPr lang="en-US" dirty="0" smtClean="0"/>
+              <a:t>% </a:t>
+            </a:r>
+            <a:r>
+              <a:rPr lang="en-US" dirty="0" smtClean="0"/>
+              <a:t>of the recommendations make sense</a:t>
             </a:r>
           </a:p>
           <a:p>
@@ -9317,9 +9371,20 @@
             </a:r>
             <a:r>
               <a:rPr lang="en-US" dirty="0" smtClean="0"/>
-              <a:t>: xx% of the relevant documents in the knowledge base are shown</a:t>
-            </a:r>
-            <a:endParaRPr lang="en-US" dirty="0" smtClean="0"/>
+              <a:t>: </a:t>
+            </a:r>
+            <a:r>
+              <a:rPr lang="en-US" dirty="0" smtClean="0"/>
+              <a:t>49.72</a:t>
+            </a:r>
+            <a:r>
+              <a:rPr lang="en-US" dirty="0" smtClean="0"/>
+              <a:t>% </a:t>
+            </a:r>
+            <a:r>
+              <a:rPr lang="en-US" dirty="0" smtClean="0"/>
+              <a:t>of the relevant documents in the knowledge base are shown</a:t>
+            </a:r>
           </a:p>
           <a:p>
             <a:endParaRPr lang="en-US" dirty="0"/>
@@ -9373,7 +9438,7 @@
           <a:p>
             <a:r>
               <a:rPr lang="en-US" dirty="0" smtClean="0"/>
-              <a:t>CONCLUSIONS</a:t>
+              <a:t>ACKNOWLEDGEMENTS</a:t>
             </a:r>
             <a:endParaRPr lang="en-US" dirty="0"/>
           </a:p>
@@ -9391,80 +9456,90 @@
         </p:nvSpPr>
         <p:spPr/>
         <p:txBody>
-          <a:bodyPr/>
-          <a:lstStyle/>
-          <a:p>
+          <a:bodyPr>
+            <a:normAutofit/>
+          </a:bodyPr>
+          <a:lstStyle/>
+          <a:p>
+            <a:pPr marL="0" indent="0">
+              <a:buNone/>
+            </a:pPr>
             <a:r>
               <a:rPr lang="en-US" dirty="0" smtClean="0"/>
-              <a:t>Use </a:t>
-            </a:r>
-            <a:r>
-              <a:rPr lang="en-US" i="1" dirty="0" smtClean="0"/>
-              <a:t>weighted text </a:t>
-            </a:r>
-            <a:r>
-              <a:rPr lang="en-US" i="1" dirty="0" err="1" smtClean="0"/>
-              <a:t>vectorizer</a:t>
-            </a:r>
-            <a:r>
-              <a:rPr lang="en-US" i="1" dirty="0" smtClean="0"/>
+              <a:t>We would like to thank</a:t>
+            </a:r>
+            <a:endParaRPr lang="en-US" dirty="0"/>
+          </a:p>
+          <a:p>
+            <a:r>
+              <a:rPr lang="en-US" dirty="0" smtClean="0"/>
+              <a:t>Starfish expert </a:t>
+            </a:r>
+            <a:r>
+              <a:rPr lang="en-US" b="1" dirty="0" err="1" smtClean="0"/>
+              <a:t>Natasa</a:t>
+            </a:r>
+            <a:r>
+              <a:rPr lang="en-US" b="1" dirty="0" smtClean="0"/>
               <a:t> </a:t>
             </a:r>
             <a:r>
+              <a:rPr lang="en-US" b="1" dirty="0" err="1"/>
+              <a:t>Brouwer</a:t>
+            </a:r>
+            <a:r>
+              <a:rPr lang="en-US" dirty="0"/>
+              <a:t> </a:t>
+            </a:r>
+          </a:p>
+          <a:p>
+            <a:r>
               <a:rPr lang="en-US" dirty="0" smtClean="0"/>
-              <a:t>for Questions</a:t>
+              <a:t>Our academic supervisor </a:t>
+            </a:r>
+            <a:r>
+              <a:rPr lang="en-US" b="1" dirty="0" smtClean="0"/>
+              <a:t>Raquel Fernandez</a:t>
             </a:r>
           </a:p>
           <a:p>
             <a:r>
               <a:rPr lang="en-US" dirty="0" smtClean="0"/>
-              <a:t>Use </a:t>
-            </a:r>
-            <a:r>
-              <a:rPr lang="en-US" i="1" dirty="0" smtClean="0"/>
-              <a:t>simple tag </a:t>
-            </a:r>
-            <a:r>
-              <a:rPr lang="en-US" i="1" dirty="0" err="1" smtClean="0"/>
-              <a:t>vectorizer</a:t>
-            </a:r>
-            <a:r>
-              <a:rPr lang="en-US" i="1" dirty="0" smtClean="0"/>
+              <a:t>Our clients (but also academic supervisors!) </a:t>
+            </a:r>
+            <a:r>
+              <a:rPr lang="en-US" b="1" dirty="0" err="1" smtClean="0"/>
+              <a:t>Robrecht</a:t>
+            </a:r>
+            <a:r>
+              <a:rPr lang="en-US" b="1" dirty="0" smtClean="0"/>
               <a:t> </a:t>
             </a:r>
             <a:r>
+              <a:rPr lang="en-US" b="1" dirty="0" err="1" smtClean="0"/>
+              <a:t>Jurriaans</a:t>
+            </a:r>
+            <a:r>
+              <a:rPr lang="en-US" b="1" dirty="0" smtClean="0"/>
+              <a:t> </a:t>
+            </a:r>
+            <a:r>
               <a:rPr lang="en-US" dirty="0" smtClean="0"/>
-              <a:t>for the rest</a:t>
-            </a:r>
-          </a:p>
-          <a:p>
-            <a:r>
-              <a:rPr lang="en-US" dirty="0" smtClean="0"/>
-              <a:t>Overall performance of entire pipeline:</a:t>
-            </a:r>
-          </a:p>
-          <a:p>
-            <a:pPr lvl="1"/>
+              <a:t>and </a:t>
+            </a:r>
+            <a:r>
+              <a:rPr lang="en-US" b="1" dirty="0" err="1" smtClean="0"/>
+              <a:t>Robrecht</a:t>
+            </a:r>
             <a:r>
               <a:rPr lang="en-US" b="1" dirty="0" smtClean="0"/>
-              <a:t>Precision</a:t>
-            </a:r>
-            <a:r>
-              <a:rPr lang="en-US" dirty="0" smtClean="0"/>
-              <a:t>: xx% of the recommendations make sense</a:t>
-            </a:r>
-          </a:p>
-          <a:p>
-            <a:pPr lvl="1"/>
-            <a:r>
-              <a:rPr lang="en-US" b="1" dirty="0" smtClean="0"/>
-              <a:t>Recall</a:t>
-            </a:r>
-            <a:r>
-              <a:rPr lang="en-US" dirty="0" smtClean="0"/>
-              <a:t>: xx% of the relevant documents in the knowledge base are shown</a:t>
-            </a:r>
-            <a:endParaRPr lang="en-US" dirty="0" smtClean="0"/>
+              <a:t> </a:t>
+            </a:r>
+            <a:r>
+              <a:rPr lang="en-US" b="1" dirty="0" err="1" smtClean="0"/>
+              <a:t>Jurriaans</a:t>
+            </a:r>
+            <a:endParaRPr lang="en-US" b="1" dirty="0" smtClean="0"/>
           </a:p>
           <a:p>
             <a:endParaRPr lang="en-US" dirty="0"/>
@@ -9474,13 +9549,20 @@
     </p:spTree>
     <p:extLst>
       <p:ext uri="{BB962C8B-B14F-4D97-AF65-F5344CB8AC3E}">
-        <p14:creationId xmlns:p14="http://schemas.microsoft.com/office/powerpoint/2010/main" val="1962998504"/>
+        <p14:creationId xmlns:p14="http://schemas.microsoft.com/office/powerpoint/2010/main" val="983799938"/>
       </p:ext>
     </p:extLst>
   </p:cSld>
   <p:clrMapOvr>
     <a:masterClrMapping/>
   </p:clrMapOvr>
+  <p:timing>
+    <p:tnLst>
+      <p:par>
+        <p:cTn xmlns:p14="http://schemas.microsoft.com/office/powerpoint/2010/main" id="1" dur="indefinite" restart="never" nodeType="tmRoot"/>
+      </p:par>
+    </p:tnLst>
+  </p:timing>
 </p:sld>
 </file>
 
@@ -9518,168 +9600,6 @@
           <a:p>
             <a:r>
               <a:rPr lang="en-US" dirty="0" smtClean="0"/>
-              <a:t>ACKNOWLEDGEMENTS</a:t>
-            </a:r>
-            <a:endParaRPr lang="en-US" dirty="0"/>
-          </a:p>
-        </p:txBody>
-      </p:sp>
-      <p:sp>
-        <p:nvSpPr>
-          <p:cNvPr id="3" name="Content Placeholder 2"/>
-          <p:cNvSpPr>
-            <a:spLocks noGrp="1"/>
-          </p:cNvSpPr>
-          <p:nvPr>
-            <p:ph idx="1"/>
-          </p:nvPr>
-        </p:nvSpPr>
-        <p:spPr/>
-        <p:txBody>
-          <a:bodyPr>
-            <a:normAutofit/>
-          </a:bodyPr>
-          <a:lstStyle/>
-          <a:p>
-            <a:pPr marL="0" indent="0">
-              <a:buNone/>
-            </a:pPr>
-            <a:r>
-              <a:rPr lang="en-US" dirty="0" smtClean="0"/>
-              <a:t>We would like to thank</a:t>
-            </a:r>
-            <a:endParaRPr lang="en-US" dirty="0"/>
-          </a:p>
-          <a:p>
-            <a:r>
-              <a:rPr lang="en-US" dirty="0" smtClean="0"/>
-              <a:t>Starfish expert </a:t>
-            </a:r>
-            <a:r>
-              <a:rPr lang="en-US" b="1" dirty="0" err="1" smtClean="0"/>
-              <a:t>Natasa</a:t>
-            </a:r>
-            <a:r>
-              <a:rPr lang="en-US" b="1" dirty="0" smtClean="0"/>
-              <a:t> </a:t>
-            </a:r>
-            <a:r>
-              <a:rPr lang="en-US" b="1" dirty="0" err="1"/>
-              <a:t>Brouwer</a:t>
-            </a:r>
-            <a:r>
-              <a:rPr lang="en-US" dirty="0"/>
-              <a:t> </a:t>
-            </a:r>
-          </a:p>
-          <a:p>
-            <a:r>
-              <a:rPr lang="en-US" dirty="0" smtClean="0"/>
-              <a:t>Our academic supervisor </a:t>
-            </a:r>
-            <a:r>
-              <a:rPr lang="en-US" b="1" dirty="0" smtClean="0"/>
-              <a:t>Raquel Fernandez</a:t>
-            </a:r>
-          </a:p>
-          <a:p>
-            <a:r>
-              <a:rPr lang="en-US" dirty="0" smtClean="0"/>
-              <a:t>Our clients (but also academic supervisors!) </a:t>
-            </a:r>
-            <a:r>
-              <a:rPr lang="en-US" b="1" dirty="0" err="1" smtClean="0"/>
-              <a:t>Robrecht</a:t>
-            </a:r>
-            <a:r>
-              <a:rPr lang="en-US" b="1" dirty="0" smtClean="0"/>
-              <a:t> </a:t>
-            </a:r>
-            <a:r>
-              <a:rPr lang="en-US" b="1" dirty="0" err="1" smtClean="0"/>
-              <a:t>Jurriaans</a:t>
-            </a:r>
-            <a:r>
-              <a:rPr lang="en-US" b="1" dirty="0" smtClean="0"/>
-              <a:t> </a:t>
-            </a:r>
-            <a:r>
-              <a:rPr lang="en-US" dirty="0" smtClean="0"/>
-              <a:t>and </a:t>
-            </a:r>
-            <a:r>
-              <a:rPr lang="en-US" b="1" dirty="0" err="1" smtClean="0"/>
-              <a:t>Robrecht</a:t>
-            </a:r>
-            <a:r>
-              <a:rPr lang="en-US" b="1" dirty="0" smtClean="0"/>
-              <a:t> </a:t>
-            </a:r>
-            <a:r>
-              <a:rPr lang="en-US" b="1" dirty="0" err="1" smtClean="0"/>
-              <a:t>Jurriaans</a:t>
-            </a:r>
-            <a:endParaRPr lang="en-US" b="1" dirty="0" smtClean="0"/>
-          </a:p>
-          <a:p>
-            <a:endParaRPr lang="en-US" dirty="0"/>
-          </a:p>
-        </p:txBody>
-      </p:sp>
-    </p:spTree>
-    <p:extLst>
-      <p:ext uri="{BB962C8B-B14F-4D97-AF65-F5344CB8AC3E}">
-        <p14:creationId xmlns:p14="http://schemas.microsoft.com/office/powerpoint/2010/main" val="983799938"/>
-      </p:ext>
-    </p:extLst>
-  </p:cSld>
-  <p:clrMapOvr>
-    <a:masterClrMapping/>
-  </p:clrMapOvr>
-  <p:timing>
-    <p:tnLst>
-      <p:par>
-        <p:cTn xmlns:p14="http://schemas.microsoft.com/office/powerpoint/2010/main" id="1" dur="indefinite" restart="never" nodeType="tmRoot"/>
-      </p:par>
-    </p:tnLst>
-  </p:timing>
-</p:sld>
-</file>
-
-<file path=ppt/slides/slide19.xml><?xml version="1.0" encoding="utf-8"?>
-<p:sld xmlns:a="http://schemas.openxmlformats.org/drawingml/2006/main" xmlns:r="http://schemas.openxmlformats.org/officeDocument/2006/relationships" xmlns:p="http://schemas.openxmlformats.org/presentationml/2006/main">
-  <p:cSld>
-    <p:spTree>
-      <p:nvGrpSpPr>
-        <p:cNvPr id="1" name=""/>
-        <p:cNvGrpSpPr/>
-        <p:nvPr/>
-      </p:nvGrpSpPr>
-      <p:grpSpPr>
-        <a:xfrm>
-          <a:off x="0" y="0"/>
-          <a:ext cx="0" cy="0"/>
-          <a:chOff x="0" y="0"/>
-          <a:chExt cx="0" cy="0"/>
-        </a:xfrm>
-      </p:grpSpPr>
-      <p:sp>
-        <p:nvSpPr>
-          <p:cNvPr id="2" name="Title 1"/>
-          <p:cNvSpPr>
-            <a:spLocks noGrp="1"/>
-          </p:cNvSpPr>
-          <p:nvPr>
-            <p:ph type="title"/>
-          </p:nvPr>
-        </p:nvSpPr>
-        <p:spPr/>
-        <p:txBody>
-          <a:bodyPr/>
-          <a:lstStyle/>
-          <a:p>
-            <a:r>
-              <a:rPr lang="en-US" dirty="0" smtClean="0"/>
               <a:t>QUESTIONS?</a:t>
             </a:r>
             <a:endParaRPr lang="en-US" dirty="0"/>
@@ -9708,7 +9628,6 @@
               <a:rPr lang="en-US" dirty="0" smtClean="0"/>
               <a:t>Feel free to ask us! </a:t>
             </a:r>
-            <a:endParaRPr lang="en-US" dirty="0" smtClean="0"/>
           </a:p>
         </p:txBody>
       </p:sp>
@@ -9791,28 +9710,24 @@
               <a:rPr lang="en-US" dirty="0" smtClean="0"/>
               <a:t>Product vision</a:t>
             </a:r>
-            <a:endParaRPr lang="en-US" dirty="0" smtClean="0"/>
           </a:p>
           <a:p>
             <a:r>
               <a:rPr lang="en-US" dirty="0" smtClean="0"/>
               <a:t>Product pipeline</a:t>
             </a:r>
-            <a:endParaRPr lang="en-US" dirty="0" smtClean="0"/>
           </a:p>
           <a:p>
             <a:r>
               <a:rPr lang="en-US" dirty="0" smtClean="0"/>
               <a:t>Evaluation</a:t>
             </a:r>
-            <a:endParaRPr lang="en-US" dirty="0" smtClean="0"/>
           </a:p>
           <a:p>
             <a:r>
               <a:rPr lang="en-US" dirty="0" smtClean="0"/>
               <a:t>Demonstration</a:t>
             </a:r>
-            <a:endParaRPr lang="en-US" dirty="0" smtClean="0"/>
           </a:p>
         </p:txBody>
       </p:sp>
@@ -9932,7 +9847,6 @@
               <a:rPr lang="en-US" sz="2000" dirty="0" smtClean="0"/>
               <a:t>Platform for sharing knowledge on education innovation</a:t>
             </a:r>
-            <a:endParaRPr lang="en-US" sz="2000" dirty="0" smtClean="0"/>
           </a:p>
           <a:p>
             <a:pPr marL="0" indent="0">
@@ -10203,7 +10117,6 @@
               <a:rPr lang="en-US" sz="3600" b="1" dirty="0" smtClean="0"/>
               <a:t>Relevant document properties</a:t>
             </a:r>
-            <a:endParaRPr lang="en-US" sz="3600" b="1" dirty="0" smtClean="0"/>
           </a:p>
           <a:p>
             <a:r>
@@ -10232,13 +10145,13 @@
       </p:sp>
       <p:pic>
         <p:nvPicPr>
-          <p:cNvPr id="18" name="Picture 17" descr="Screen Shot 2014-06-26 at 22.28.29.png"/>
+          <p:cNvPr id="6" name="Picture 5" descr="document.png"/>
           <p:cNvPicPr>
             <a:picLocks noChangeAspect="1"/>
           </p:cNvPicPr>
           <p:nvPr/>
         </p:nvPicPr>
-        <p:blipFill rotWithShape="1">
+        <p:blipFill>
           <a:blip r:embed="rId2">
             <a:extLst>
               <a:ext uri="{28A0092B-C50C-407E-A947-70E740481C1C}">
@@ -10246,19 +10159,525 @@
               </a:ext>
             </a:extLst>
           </a:blip>
-          <a:srcRect l="41875" t="61554" r="24304" b="21690"/>
-          <a:stretch/>
+          <a:stretch>
+            <a:fillRect/>
+          </a:stretch>
         </p:blipFill>
         <p:spPr>
           <a:xfrm>
-            <a:off x="1767548" y="4533094"/>
-            <a:ext cx="6888500" cy="2132963"/>
+            <a:off x="4724896" y="4750811"/>
+            <a:ext cx="1915246" cy="1915246"/>
           </a:xfrm>
           <a:prstGeom prst="rect">
             <a:avLst/>
           </a:prstGeom>
         </p:spPr>
       </p:pic>
+      <p:sp>
+        <p:nvSpPr>
+          <p:cNvPr id="5" name="TextBox 4"/>
+          <p:cNvSpPr txBox="1"/>
+          <p:nvPr/>
+        </p:nvSpPr>
+        <p:spPr>
+          <a:xfrm>
+            <a:off x="5259652" y="4417836"/>
+            <a:ext cx="620645" cy="369332"/>
+          </a:xfrm>
+          <a:prstGeom prst="rect">
+            <a:avLst/>
+          </a:prstGeom>
+          <a:noFill/>
+        </p:spPr>
+        <p:txBody>
+          <a:bodyPr wrap="none" rtlCol="0">
+            <a:spAutoFit/>
+          </a:bodyPr>
+          <a:lstStyle/>
+          <a:p>
+            <a:r>
+              <a:rPr lang="en-US" b="1" i="1" dirty="0" smtClean="0">
+                <a:solidFill>
+                  <a:schemeClr val="tx2">
+                    <a:lumMod val="90000"/>
+                    <a:lumOff val="10000"/>
+                  </a:schemeClr>
+                </a:solidFill>
+              </a:rPr>
+              <a:t>text</a:t>
+            </a:r>
+            <a:endParaRPr lang="en-US" b="1" i="1" dirty="0">
+              <a:solidFill>
+                <a:schemeClr val="tx2">
+                  <a:lumMod val="90000"/>
+                  <a:lumOff val="10000"/>
+                </a:schemeClr>
+              </a:solidFill>
+            </a:endParaRPr>
+          </a:p>
+        </p:txBody>
+      </p:sp>
+      <p:sp>
+        <p:nvSpPr>
+          <p:cNvPr id="8" name="TextBox 7"/>
+          <p:cNvSpPr txBox="1"/>
+          <p:nvPr/>
+        </p:nvSpPr>
+        <p:spPr>
+          <a:xfrm>
+            <a:off x="6680980" y="5301940"/>
+            <a:ext cx="678015" cy="369332"/>
+          </a:xfrm>
+          <a:prstGeom prst="rect">
+            <a:avLst/>
+          </a:prstGeom>
+          <a:noFill/>
+        </p:spPr>
+        <p:txBody>
+          <a:bodyPr wrap="none" rtlCol="0">
+            <a:spAutoFit/>
+          </a:bodyPr>
+          <a:lstStyle/>
+          <a:p>
+            <a:r>
+              <a:rPr lang="en-US" b="1" i="1" dirty="0" smtClean="0">
+                <a:solidFill>
+                  <a:schemeClr val="tx2">
+                    <a:lumMod val="90000"/>
+                    <a:lumOff val="10000"/>
+                  </a:schemeClr>
+                </a:solidFill>
+              </a:rPr>
+              <a:t>links</a:t>
+            </a:r>
+            <a:endParaRPr lang="en-US" b="1" i="1" dirty="0">
+              <a:solidFill>
+                <a:schemeClr val="tx2">
+                  <a:lumMod val="90000"/>
+                  <a:lumOff val="10000"/>
+                </a:schemeClr>
+              </a:solidFill>
+            </a:endParaRPr>
+          </a:p>
+        </p:txBody>
+      </p:sp>
+      <p:sp>
+        <p:nvSpPr>
+          <p:cNvPr id="9" name="TextBox 8"/>
+          <p:cNvSpPr txBox="1"/>
+          <p:nvPr/>
+        </p:nvSpPr>
+        <p:spPr>
+          <a:xfrm>
+            <a:off x="3879139" y="4533472"/>
+            <a:ext cx="655811" cy="369332"/>
+          </a:xfrm>
+          <a:prstGeom prst="rect">
+            <a:avLst/>
+          </a:prstGeom>
+          <a:noFill/>
+        </p:spPr>
+        <p:txBody>
+          <a:bodyPr wrap="none" rtlCol="0">
+            <a:spAutoFit/>
+          </a:bodyPr>
+          <a:lstStyle/>
+          <a:p>
+            <a:r>
+              <a:rPr lang="en-US" b="1" i="1" dirty="0" smtClean="0">
+                <a:solidFill>
+                  <a:schemeClr val="tx2">
+                    <a:lumMod val="90000"/>
+                    <a:lumOff val="10000"/>
+                  </a:schemeClr>
+                </a:solidFill>
+              </a:rPr>
+              <a:t>tags</a:t>
+            </a:r>
+            <a:endParaRPr lang="en-US" b="1" i="1" dirty="0">
+              <a:solidFill>
+                <a:schemeClr val="tx2">
+                  <a:lumMod val="90000"/>
+                  <a:lumOff val="10000"/>
+                </a:schemeClr>
+              </a:solidFill>
+            </a:endParaRPr>
+          </a:p>
+        </p:txBody>
+      </p:sp>
+      <p:sp>
+        <p:nvSpPr>
+          <p:cNvPr id="10" name="TextBox 9"/>
+          <p:cNvSpPr txBox="1"/>
+          <p:nvPr/>
+        </p:nvSpPr>
+        <p:spPr>
+          <a:xfrm>
+            <a:off x="1822918" y="4999980"/>
+            <a:ext cx="1187470" cy="369332"/>
+          </a:xfrm>
+          <a:prstGeom prst="rect">
+            <a:avLst/>
+          </a:prstGeom>
+          <a:noFill/>
+        </p:spPr>
+        <p:txBody>
+          <a:bodyPr wrap="none" rtlCol="0">
+            <a:spAutoFit/>
+          </a:bodyPr>
+          <a:lstStyle/>
+          <a:p>
+            <a:r>
+              <a:rPr lang="en-US" b="1" i="1" dirty="0" smtClean="0">
+                <a:solidFill>
+                  <a:schemeClr val="tx2">
+                    <a:lumMod val="90000"/>
+                    <a:lumOff val="10000"/>
+                  </a:schemeClr>
+                </a:solidFill>
+              </a:rPr>
+              <a:t>glossaries</a:t>
+            </a:r>
+            <a:endParaRPr lang="en-US" b="1" i="1" dirty="0">
+              <a:solidFill>
+                <a:schemeClr val="tx2">
+                  <a:lumMod val="90000"/>
+                  <a:lumOff val="10000"/>
+                </a:schemeClr>
+              </a:solidFill>
+            </a:endParaRPr>
+          </a:p>
+        </p:txBody>
+      </p:sp>
+      <p:sp>
+        <p:nvSpPr>
+          <p:cNvPr id="7" name="TextBox 6"/>
+          <p:cNvSpPr txBox="1"/>
+          <p:nvPr/>
+        </p:nvSpPr>
+        <p:spPr>
+          <a:xfrm>
+            <a:off x="3539956" y="5058370"/>
+            <a:ext cx="1184940" cy="338554"/>
+          </a:xfrm>
+          <a:prstGeom prst="rect">
+            <a:avLst/>
+          </a:prstGeom>
+          <a:ln>
+            <a:prstDash val="sysDash"/>
+          </a:ln>
+        </p:spPr>
+        <p:style>
+          <a:lnRef idx="2">
+            <a:schemeClr val="accent2"/>
+          </a:lnRef>
+          <a:fillRef idx="1">
+            <a:schemeClr val="lt1"/>
+          </a:fillRef>
+          <a:effectRef idx="0">
+            <a:schemeClr val="accent2"/>
+          </a:effectRef>
+          <a:fontRef idx="minor">
+            <a:schemeClr val="dk1"/>
+          </a:fontRef>
+        </p:style>
+        <p:txBody>
+          <a:bodyPr wrap="none" rtlCol="0">
+            <a:spAutoFit/>
+          </a:bodyPr>
+          <a:lstStyle/>
+          <a:p>
+            <a:r>
+              <a:rPr lang="en-US" sz="1600" b="1" dirty="0" smtClean="0"/>
+              <a:t>CHEMISTRY</a:t>
+            </a:r>
+            <a:endParaRPr lang="en-US" sz="1600" b="1" dirty="0"/>
+          </a:p>
+        </p:txBody>
+      </p:sp>
+      <p:sp>
+        <p:nvSpPr>
+          <p:cNvPr id="12" name="TextBox 11"/>
+          <p:cNvSpPr txBox="1"/>
+          <p:nvPr/>
+        </p:nvSpPr>
+        <p:spPr>
+          <a:xfrm>
+            <a:off x="2575566" y="5555331"/>
+            <a:ext cx="2150749" cy="338554"/>
+          </a:xfrm>
+          <a:prstGeom prst="rect">
+            <a:avLst/>
+          </a:prstGeom>
+          <a:ln>
+            <a:prstDash val="sysDash"/>
+          </a:ln>
+        </p:spPr>
+        <p:style>
+          <a:lnRef idx="2">
+            <a:schemeClr val="accent2"/>
+          </a:lnRef>
+          <a:fillRef idx="1">
+            <a:schemeClr val="lt1"/>
+          </a:fillRef>
+          <a:effectRef idx="0">
+            <a:schemeClr val="accent2"/>
+          </a:effectRef>
+          <a:fontRef idx="minor">
+            <a:schemeClr val="dk1"/>
+          </a:fontRef>
+        </p:style>
+        <p:txBody>
+          <a:bodyPr wrap="none" rtlCol="0">
+            <a:spAutoFit/>
+          </a:bodyPr>
+          <a:lstStyle/>
+          <a:p>
+            <a:r>
+              <a:rPr lang="en-US" sz="1600" b="1" dirty="0" smtClean="0"/>
+              <a:t>STUDENT EVALUATION</a:t>
+            </a:r>
+            <a:endParaRPr lang="en-US" sz="1600" b="1" dirty="0"/>
+          </a:p>
+        </p:txBody>
+      </p:sp>
+      <p:sp>
+        <p:nvSpPr>
+          <p:cNvPr id="13" name="TextBox 12"/>
+          <p:cNvSpPr txBox="1"/>
+          <p:nvPr/>
+        </p:nvSpPr>
+        <p:spPr>
+          <a:xfrm>
+            <a:off x="3846547" y="6052246"/>
+            <a:ext cx="879768" cy="338554"/>
+          </a:xfrm>
+          <a:prstGeom prst="rect">
+            <a:avLst/>
+          </a:prstGeom>
+          <a:ln>
+            <a:prstDash val="sysDash"/>
+          </a:ln>
+        </p:spPr>
+        <p:style>
+          <a:lnRef idx="2">
+            <a:schemeClr val="accent2"/>
+          </a:lnRef>
+          <a:fillRef idx="1">
+            <a:schemeClr val="lt1"/>
+          </a:fillRef>
+          <a:effectRef idx="0">
+            <a:schemeClr val="accent2"/>
+          </a:effectRef>
+          <a:fontRef idx="minor">
+            <a:schemeClr val="dk1"/>
+          </a:fontRef>
+        </p:style>
+        <p:txBody>
+          <a:bodyPr wrap="none" rtlCol="0">
+            <a:spAutoFit/>
+          </a:bodyPr>
+          <a:lstStyle/>
+          <a:p>
+            <a:r>
+              <a:rPr lang="en-US" sz="1600" b="1" dirty="0" smtClean="0"/>
+              <a:t>VOTING</a:t>
+            </a:r>
+            <a:endParaRPr lang="en-US" sz="1600" b="1" dirty="0"/>
+          </a:p>
+        </p:txBody>
+      </p:sp>
+      <p:pic>
+        <p:nvPicPr>
+          <p:cNvPr id="14" name="Picture 13" descr="document.png"/>
+          <p:cNvPicPr>
+            <a:picLocks noChangeAspect="1"/>
+          </p:cNvPicPr>
+          <p:nvPr/>
+        </p:nvPicPr>
+        <p:blipFill>
+          <a:blip r:embed="rId2">
+            <a:alphaModFix amt="40000"/>
+            <a:extLst>
+              <a:ext uri="{28A0092B-C50C-407E-A947-70E740481C1C}">
+                <a14:useLocalDpi xmlns:a14="http://schemas.microsoft.com/office/drawing/2010/main" val="0"/>
+              </a:ext>
+            </a:extLst>
+          </a:blip>
+          <a:stretch>
+            <a:fillRect/>
+          </a:stretch>
+        </p:blipFill>
+        <p:spPr>
+          <a:xfrm>
+            <a:off x="7458806" y="5107140"/>
+            <a:ext cx="1169632" cy="1169632"/>
+          </a:xfrm>
+          <a:prstGeom prst="rect">
+            <a:avLst/>
+          </a:prstGeom>
+        </p:spPr>
+      </p:pic>
+      <p:pic>
+        <p:nvPicPr>
+          <p:cNvPr id="15" name="Picture 14" descr="document.png"/>
+          <p:cNvPicPr>
+            <a:picLocks noChangeAspect="1"/>
+          </p:cNvPicPr>
+          <p:nvPr/>
+        </p:nvPicPr>
+        <p:blipFill>
+          <a:blip r:embed="rId2">
+            <a:duotone>
+              <a:schemeClr val="accent2">
+                <a:shade val="45000"/>
+                <a:satMod val="135000"/>
+              </a:schemeClr>
+              <a:prstClr val="white"/>
+            </a:duotone>
+            <a:extLst>
+              <a:ext uri="{28A0092B-C50C-407E-A947-70E740481C1C}">
+                <a14:useLocalDpi xmlns:a14="http://schemas.microsoft.com/office/drawing/2010/main" val="0"/>
+              </a:ext>
+            </a:extLst>
+          </a:blip>
+          <a:stretch>
+            <a:fillRect/>
+          </a:stretch>
+        </p:blipFill>
+        <p:spPr>
+          <a:xfrm>
+            <a:off x="3023263" y="4995062"/>
+            <a:ext cx="459639" cy="459639"/>
+          </a:xfrm>
+          <a:prstGeom prst="rect">
+            <a:avLst/>
+          </a:prstGeom>
+        </p:spPr>
+      </p:pic>
+      <p:pic>
+        <p:nvPicPr>
+          <p:cNvPr id="16" name="Picture 15" descr="document.png"/>
+          <p:cNvPicPr>
+            <a:picLocks noChangeAspect="1"/>
+          </p:cNvPicPr>
+          <p:nvPr/>
+        </p:nvPicPr>
+        <p:blipFill>
+          <a:blip r:embed="rId2">
+            <a:duotone>
+              <a:schemeClr val="accent2">
+                <a:shade val="45000"/>
+                <a:satMod val="135000"/>
+              </a:schemeClr>
+              <a:prstClr val="white"/>
+            </a:duotone>
+            <a:extLst>
+              <a:ext uri="{28A0092B-C50C-407E-A947-70E740481C1C}">
+                <a14:useLocalDpi xmlns:a14="http://schemas.microsoft.com/office/drawing/2010/main" val="0"/>
+              </a:ext>
+            </a:extLst>
+          </a:blip>
+          <a:stretch>
+            <a:fillRect/>
+          </a:stretch>
+        </p:blipFill>
+        <p:spPr>
+          <a:xfrm>
+            <a:off x="2060707" y="5498987"/>
+            <a:ext cx="459639" cy="459639"/>
+          </a:xfrm>
+          <a:prstGeom prst="rect">
+            <a:avLst/>
+          </a:prstGeom>
+        </p:spPr>
+      </p:pic>
+      <p:pic>
+        <p:nvPicPr>
+          <p:cNvPr id="17" name="Picture 16" descr="document.png"/>
+          <p:cNvPicPr>
+            <a:picLocks noChangeAspect="1"/>
+          </p:cNvPicPr>
+          <p:nvPr/>
+        </p:nvPicPr>
+        <p:blipFill>
+          <a:blip r:embed="rId2">
+            <a:duotone>
+              <a:schemeClr val="accent2">
+                <a:shade val="45000"/>
+                <a:satMod val="135000"/>
+              </a:schemeClr>
+              <a:prstClr val="white"/>
+            </a:duotone>
+            <a:extLst>
+              <a:ext uri="{28A0092B-C50C-407E-A947-70E740481C1C}">
+                <a14:useLocalDpi xmlns:a14="http://schemas.microsoft.com/office/drawing/2010/main" val="0"/>
+              </a:ext>
+            </a:extLst>
+          </a:blip>
+          <a:stretch>
+            <a:fillRect/>
+          </a:stretch>
+        </p:blipFill>
+        <p:spPr>
+          <a:xfrm>
+            <a:off x="3317883" y="6005988"/>
+            <a:ext cx="459639" cy="459639"/>
+          </a:xfrm>
+          <a:prstGeom prst="rect">
+            <a:avLst/>
+          </a:prstGeom>
+        </p:spPr>
+      </p:pic>
+      <p:sp>
+        <p:nvSpPr>
+          <p:cNvPr id="19" name="Right Arrow 18"/>
+          <p:cNvSpPr/>
+          <p:nvPr/>
+        </p:nvSpPr>
+        <p:spPr>
+          <a:xfrm flipV="1">
+            <a:off x="6640142" y="5661694"/>
+            <a:ext cx="670652" cy="275362"/>
+          </a:xfrm>
+          <a:prstGeom prst="rightArrow">
+            <a:avLst/>
+          </a:prstGeom>
+          <a:solidFill>
+            <a:schemeClr val="accent1"/>
+          </a:solidFill>
+          <a:ln>
+            <a:noFill/>
+          </a:ln>
+          <a:effectLst/>
+        </p:spPr>
+        <p:style>
+          <a:lnRef idx="1">
+            <a:schemeClr val="accent1"/>
+          </a:lnRef>
+          <a:fillRef idx="3">
+            <a:schemeClr val="accent1"/>
+          </a:fillRef>
+          <a:effectRef idx="2">
+            <a:schemeClr val="accent1"/>
+          </a:effectRef>
+          <a:fontRef idx="minor">
+            <a:schemeClr val="lt1"/>
+          </a:fontRef>
+        </p:style>
+        <p:txBody>
+          <a:bodyPr rtlCol="0" anchor="ctr"/>
+          <a:lstStyle/>
+          <a:p>
+            <a:pPr algn="ctr"/>
+            <a:endParaRPr lang="en-US" dirty="0">
+              <a:solidFill>
+                <a:srgbClr val="000090"/>
+              </a:solidFill>
+            </a:endParaRPr>
+          </a:p>
+        </p:txBody>
+      </p:sp>
     </p:spTree>
     <p:extLst>
       <p:ext uri="{BB962C8B-B14F-4D97-AF65-F5344CB8AC3E}">
@@ -10569,13 +10988,13 @@
       </p:sp>
       <p:pic>
         <p:nvPicPr>
-          <p:cNvPr id="26" name="Picture 25" descr="Screen Shot 2014-06-26 at 22.29.54.png"/>
+          <p:cNvPr id="4" name="Picture 3" descr="document.png"/>
           <p:cNvPicPr>
             <a:picLocks noChangeAspect="1"/>
           </p:cNvPicPr>
           <p:nvPr/>
         </p:nvPicPr>
-        <p:blipFill rotWithShape="1">
+        <p:blipFill>
           <a:blip r:embed="rId2">
             <a:extLst>
               <a:ext uri="{28A0092B-C50C-407E-A947-70E740481C1C}">
@@ -10583,19 +11002,330 @@
               </a:ext>
             </a:extLst>
           </a:blip>
-          <a:srcRect l="34491" t="41285" r="59252" b="25013"/>
-          <a:stretch/>
+          <a:stretch>
+            <a:fillRect/>
+          </a:stretch>
         </p:blipFill>
         <p:spPr>
           <a:xfrm>
-            <a:off x="381848" y="2079554"/>
-            <a:ext cx="1290398" cy="4343837"/>
+            <a:off x="381848" y="2133599"/>
+            <a:ext cx="1123857" cy="1123857"/>
           </a:xfrm>
           <a:prstGeom prst="rect">
             <a:avLst/>
           </a:prstGeom>
         </p:spPr>
       </p:pic>
+      <p:sp>
+        <p:nvSpPr>
+          <p:cNvPr id="5" name="Right Arrow 4"/>
+          <p:cNvSpPr/>
+          <p:nvPr/>
+        </p:nvSpPr>
+        <p:spPr>
+          <a:xfrm rot="5400000" flipV="1">
+            <a:off x="595908" y="3631006"/>
+            <a:ext cx="670652" cy="275362"/>
+          </a:xfrm>
+          <a:prstGeom prst="rightArrow">
+            <a:avLst/>
+          </a:prstGeom>
+          <a:solidFill>
+            <a:schemeClr val="accent1"/>
+          </a:solidFill>
+          <a:ln>
+            <a:noFill/>
+          </a:ln>
+          <a:effectLst/>
+        </p:spPr>
+        <p:style>
+          <a:lnRef idx="1">
+            <a:schemeClr val="accent1"/>
+          </a:lnRef>
+          <a:fillRef idx="3">
+            <a:schemeClr val="accent1"/>
+          </a:fillRef>
+          <a:effectRef idx="2">
+            <a:schemeClr val="accent1"/>
+          </a:effectRef>
+          <a:fontRef idx="minor">
+            <a:schemeClr val="lt1"/>
+          </a:fontRef>
+        </p:style>
+        <p:txBody>
+          <a:bodyPr rtlCol="0" anchor="ctr"/>
+          <a:lstStyle/>
+          <a:p>
+            <a:pPr algn="ctr"/>
+            <a:endParaRPr lang="en-US" dirty="0">
+              <a:solidFill>
+                <a:srgbClr val="000090"/>
+              </a:solidFill>
+            </a:endParaRPr>
+          </a:p>
+        </p:txBody>
+      </p:sp>
+      <p:sp>
+        <p:nvSpPr>
+          <p:cNvPr id="7" name="TextBox 6"/>
+          <p:cNvSpPr txBox="1"/>
+          <p:nvPr/>
+        </p:nvSpPr>
+        <p:spPr>
+          <a:xfrm>
+            <a:off x="559953" y="4421384"/>
+            <a:ext cx="710914" cy="1477328"/>
+          </a:xfrm>
+          <a:prstGeom prst="rect">
+            <a:avLst/>
+          </a:prstGeom>
+          <a:noFill/>
+        </p:spPr>
+        <p:txBody>
+          <a:bodyPr wrap="none" rtlCol="0">
+            <a:spAutoFit/>
+          </a:bodyPr>
+          <a:lstStyle/>
+          <a:p>
+            <a:r>
+              <a:rPr lang="en-US" b="1" dirty="0" smtClean="0">
+                <a:solidFill>
+                  <a:srgbClr val="000090"/>
+                </a:solidFill>
+              </a:rPr>
+              <a:t>0.003</a:t>
+            </a:r>
+          </a:p>
+          <a:p>
+            <a:r>
+              <a:rPr lang="en-US" b="1" dirty="0" smtClean="0">
+                <a:solidFill>
+                  <a:srgbClr val="000090"/>
+                </a:solidFill>
+              </a:rPr>
+              <a:t>0.000</a:t>
+            </a:r>
+          </a:p>
+          <a:p>
+            <a:r>
+              <a:rPr lang="en-US" b="1" dirty="0">
+                <a:solidFill>
+                  <a:srgbClr val="000090"/>
+                </a:solidFill>
+              </a:rPr>
+              <a:t> </a:t>
+            </a:r>
+            <a:r>
+              <a:rPr lang="en-US" b="1" dirty="0" smtClean="0">
+                <a:solidFill>
+                  <a:srgbClr val="000090"/>
+                </a:solidFill>
+              </a:rPr>
+              <a:t>    :</a:t>
+            </a:r>
+          </a:p>
+          <a:p>
+            <a:r>
+              <a:rPr lang="en-US" b="1" dirty="0" smtClean="0">
+                <a:solidFill>
+                  <a:srgbClr val="000090"/>
+                </a:solidFill>
+              </a:rPr>
+              <a:t>0.901</a:t>
+            </a:r>
+          </a:p>
+          <a:p>
+            <a:r>
+              <a:rPr lang="en-US" b="1" dirty="0" smtClean="0">
+                <a:solidFill>
+                  <a:srgbClr val="000090"/>
+                </a:solidFill>
+              </a:rPr>
+              <a:t>0.100</a:t>
+            </a:r>
+          </a:p>
+        </p:txBody>
+      </p:sp>
+      <p:cxnSp>
+        <p:nvCxnSpPr>
+          <p:cNvPr id="15" name="Straight Connector 14"/>
+          <p:cNvCxnSpPr/>
+          <p:nvPr/>
+        </p:nvCxnSpPr>
+        <p:spPr>
+          <a:xfrm>
+            <a:off x="563263" y="4435341"/>
+            <a:ext cx="0" cy="1477328"/>
+          </a:xfrm>
+          <a:prstGeom prst="line">
+            <a:avLst/>
+          </a:prstGeom>
+        </p:spPr>
+        <p:style>
+          <a:lnRef idx="2">
+            <a:schemeClr val="accent1"/>
+          </a:lnRef>
+          <a:fillRef idx="0">
+            <a:schemeClr val="accent1"/>
+          </a:fillRef>
+          <a:effectRef idx="1">
+            <a:schemeClr val="accent1"/>
+          </a:effectRef>
+          <a:fontRef idx="minor">
+            <a:schemeClr val="tx1"/>
+          </a:fontRef>
+        </p:style>
+      </p:cxnSp>
+      <p:cxnSp>
+        <p:nvCxnSpPr>
+          <p:cNvPr id="16" name="Straight Connector 15"/>
+          <p:cNvCxnSpPr/>
+          <p:nvPr/>
+        </p:nvCxnSpPr>
+        <p:spPr>
+          <a:xfrm flipH="1">
+            <a:off x="561933" y="4435341"/>
+            <a:ext cx="179435" cy="0"/>
+          </a:xfrm>
+          <a:prstGeom prst="line">
+            <a:avLst/>
+          </a:prstGeom>
+        </p:spPr>
+        <p:style>
+          <a:lnRef idx="2">
+            <a:schemeClr val="accent1"/>
+          </a:lnRef>
+          <a:fillRef idx="0">
+            <a:schemeClr val="accent1"/>
+          </a:fillRef>
+          <a:effectRef idx="1">
+            <a:schemeClr val="accent1"/>
+          </a:effectRef>
+          <a:fontRef idx="minor">
+            <a:schemeClr val="tx1"/>
+          </a:fontRef>
+        </p:style>
+      </p:cxnSp>
+      <p:cxnSp>
+        <p:nvCxnSpPr>
+          <p:cNvPr id="19" name="Straight Connector 18"/>
+          <p:cNvCxnSpPr/>
+          <p:nvPr/>
+        </p:nvCxnSpPr>
+        <p:spPr>
+          <a:xfrm flipH="1">
+            <a:off x="563457" y="5908637"/>
+            <a:ext cx="179435" cy="0"/>
+          </a:xfrm>
+          <a:prstGeom prst="line">
+            <a:avLst/>
+          </a:prstGeom>
+        </p:spPr>
+        <p:style>
+          <a:lnRef idx="2">
+            <a:schemeClr val="accent1"/>
+          </a:lnRef>
+          <a:fillRef idx="0">
+            <a:schemeClr val="accent1"/>
+          </a:fillRef>
+          <a:effectRef idx="1">
+            <a:schemeClr val="accent1"/>
+          </a:effectRef>
+          <a:fontRef idx="minor">
+            <a:schemeClr val="tx1"/>
+          </a:fontRef>
+        </p:style>
+      </p:cxnSp>
+      <p:cxnSp>
+        <p:nvCxnSpPr>
+          <p:cNvPr id="20" name="Straight Connector 19"/>
+          <p:cNvCxnSpPr/>
+          <p:nvPr/>
+        </p:nvCxnSpPr>
+        <p:spPr>
+          <a:xfrm>
+            <a:off x="1287818" y="4434214"/>
+            <a:ext cx="0" cy="1477328"/>
+          </a:xfrm>
+          <a:prstGeom prst="line">
+            <a:avLst/>
+          </a:prstGeom>
+        </p:spPr>
+        <p:style>
+          <a:lnRef idx="2">
+            <a:schemeClr val="accent1"/>
+          </a:lnRef>
+          <a:fillRef idx="0">
+            <a:schemeClr val="accent1"/>
+          </a:fillRef>
+          <a:effectRef idx="1">
+            <a:schemeClr val="accent1"/>
+          </a:effectRef>
+          <a:fontRef idx="minor">
+            <a:schemeClr val="tx1"/>
+          </a:fontRef>
+        </p:style>
+      </p:cxnSp>
+      <p:cxnSp>
+        <p:nvCxnSpPr>
+          <p:cNvPr id="21" name="Straight Connector 20"/>
+          <p:cNvCxnSpPr/>
+          <p:nvPr/>
+        </p:nvCxnSpPr>
+        <p:spPr>
+          <a:xfrm flipH="1">
+            <a:off x="1105073" y="4434214"/>
+            <a:ext cx="179435" cy="0"/>
+          </a:xfrm>
+          <a:prstGeom prst="line">
+            <a:avLst/>
+          </a:prstGeom>
+        </p:spPr>
+        <p:style>
+          <a:lnRef idx="2">
+            <a:schemeClr val="accent1"/>
+          </a:lnRef>
+          <a:fillRef idx="0">
+            <a:schemeClr val="accent1"/>
+          </a:fillRef>
+          <a:effectRef idx="1">
+            <a:schemeClr val="accent1"/>
+          </a:effectRef>
+          <a:fontRef idx="minor">
+            <a:schemeClr val="tx1"/>
+          </a:fontRef>
+        </p:style>
+      </p:cxnSp>
+      <p:cxnSp>
+        <p:nvCxnSpPr>
+          <p:cNvPr id="22" name="Straight Connector 21"/>
+          <p:cNvCxnSpPr/>
+          <p:nvPr/>
+        </p:nvCxnSpPr>
+        <p:spPr>
+          <a:xfrm flipH="1">
+            <a:off x="1106597" y="5907510"/>
+            <a:ext cx="179435" cy="0"/>
+          </a:xfrm>
+          <a:prstGeom prst="line">
+            <a:avLst/>
+          </a:prstGeom>
+        </p:spPr>
+        <p:style>
+          <a:lnRef idx="2">
+            <a:schemeClr val="accent1"/>
+          </a:lnRef>
+          <a:fillRef idx="0">
+            <a:schemeClr val="accent1"/>
+          </a:fillRef>
+          <a:effectRef idx="1">
+            <a:schemeClr val="accent1"/>
+          </a:effectRef>
+          <a:fontRef idx="minor">
+            <a:schemeClr val="tx1"/>
+          </a:fontRef>
+        </p:style>
+      </p:cxnSp>
     </p:spTree>
     <p:extLst>
       <p:ext uri="{BB962C8B-B14F-4D97-AF65-F5344CB8AC3E}">
@@ -10832,19 +11562,18 @@
               <a:rPr lang="en-US" dirty="0" smtClean="0"/>
               <a:t>ranks</a:t>
             </a:r>
-            <a:endParaRPr lang="en-US" dirty="0" smtClean="0"/>
           </a:p>
         </p:txBody>
       </p:sp>
       <p:pic>
         <p:nvPicPr>
-          <p:cNvPr id="17" name="Picture 16" descr="Screen Shot 2014-06-26 at 22.30.56.png"/>
+          <p:cNvPr id="4" name="Picture 3" descr="document.png"/>
           <p:cNvPicPr>
             <a:picLocks noChangeAspect="1"/>
           </p:cNvPicPr>
           <p:nvPr/>
         </p:nvPicPr>
-        <p:blipFill rotWithShape="1">
+        <p:blipFill>
           <a:blip r:embed="rId2">
             <a:extLst>
               <a:ext uri="{28A0092B-C50C-407E-A947-70E740481C1C}">
@@ -10852,19 +11581,457 @@
               </a:ext>
             </a:extLst>
           </a:blip>
-          <a:srcRect l="41664" t="54533" r="26746" b="24098"/>
-          <a:stretch/>
+          <a:stretch>
+            <a:fillRect/>
+          </a:stretch>
         </p:blipFill>
         <p:spPr>
           <a:xfrm>
-            <a:off x="1918809" y="3677778"/>
-            <a:ext cx="6272764" cy="2651869"/>
+            <a:off x="1781503" y="3688071"/>
+            <a:ext cx="1193303" cy="1193303"/>
           </a:xfrm>
           <a:prstGeom prst="rect">
             <a:avLst/>
           </a:prstGeom>
         </p:spPr>
       </p:pic>
+      <p:pic>
+        <p:nvPicPr>
+          <p:cNvPr id="5" name="Picture 4" descr="document.png"/>
+          <p:cNvPicPr>
+            <a:picLocks noChangeAspect="1"/>
+          </p:cNvPicPr>
+          <p:nvPr/>
+        </p:nvPicPr>
+        <p:blipFill>
+          <a:blip r:embed="rId2">
+            <a:extLst>
+              <a:ext uri="{28A0092B-C50C-407E-A947-70E740481C1C}">
+                <a14:useLocalDpi xmlns:a14="http://schemas.microsoft.com/office/drawing/2010/main" val="0"/>
+              </a:ext>
+            </a:extLst>
+          </a:blip>
+          <a:stretch>
+            <a:fillRect/>
+          </a:stretch>
+        </p:blipFill>
+        <p:spPr>
+          <a:xfrm>
+            <a:off x="3441043" y="3688071"/>
+            <a:ext cx="1193303" cy="1193303"/>
+          </a:xfrm>
+          <a:prstGeom prst="rect">
+            <a:avLst/>
+          </a:prstGeom>
+        </p:spPr>
+      </p:pic>
+      <p:pic>
+        <p:nvPicPr>
+          <p:cNvPr id="6" name="Picture 5" descr="document.png"/>
+          <p:cNvPicPr>
+            <a:picLocks noChangeAspect="1"/>
+          </p:cNvPicPr>
+          <p:nvPr/>
+        </p:nvPicPr>
+        <p:blipFill>
+          <a:blip r:embed="rId2">
+            <a:extLst>
+              <a:ext uri="{28A0092B-C50C-407E-A947-70E740481C1C}">
+                <a14:useLocalDpi xmlns:a14="http://schemas.microsoft.com/office/drawing/2010/main" val="0"/>
+              </a:ext>
+            </a:extLst>
+          </a:blip>
+          <a:stretch>
+            <a:fillRect/>
+          </a:stretch>
+        </p:blipFill>
+        <p:spPr>
+          <a:xfrm>
+            <a:off x="6832101" y="3688071"/>
+            <a:ext cx="1193303" cy="1193303"/>
+          </a:xfrm>
+          <a:prstGeom prst="rect">
+            <a:avLst/>
+          </a:prstGeom>
+        </p:spPr>
+      </p:pic>
+      <p:sp>
+        <p:nvSpPr>
+          <p:cNvPr id="7" name="Right Arrow 6"/>
+          <p:cNvSpPr/>
+          <p:nvPr/>
+        </p:nvSpPr>
+        <p:spPr>
+          <a:xfrm flipV="1">
+            <a:off x="1963496" y="5208119"/>
+            <a:ext cx="5879202" cy="275362"/>
+          </a:xfrm>
+          <a:prstGeom prst="rightArrow">
+            <a:avLst/>
+          </a:prstGeom>
+          <a:solidFill>
+            <a:schemeClr val="accent1"/>
+          </a:solidFill>
+          <a:ln>
+            <a:noFill/>
+          </a:ln>
+          <a:effectLst/>
+        </p:spPr>
+        <p:style>
+          <a:lnRef idx="1">
+            <a:schemeClr val="accent1"/>
+          </a:lnRef>
+          <a:fillRef idx="3">
+            <a:schemeClr val="accent1"/>
+          </a:fillRef>
+          <a:effectRef idx="2">
+            <a:schemeClr val="accent1"/>
+          </a:effectRef>
+          <a:fontRef idx="minor">
+            <a:schemeClr val="lt1"/>
+          </a:fontRef>
+        </p:style>
+        <p:txBody>
+          <a:bodyPr rtlCol="0" anchor="ctr"/>
+          <a:lstStyle/>
+          <a:p>
+            <a:pPr algn="ctr"/>
+            <a:endParaRPr lang="en-US" dirty="0">
+              <a:solidFill>
+                <a:srgbClr val="000090"/>
+              </a:solidFill>
+            </a:endParaRPr>
+          </a:p>
+        </p:txBody>
+      </p:sp>
+      <p:sp>
+        <p:nvSpPr>
+          <p:cNvPr id="8" name="TextBox 7"/>
+          <p:cNvSpPr txBox="1"/>
+          <p:nvPr/>
+        </p:nvSpPr>
+        <p:spPr>
+          <a:xfrm>
+            <a:off x="3809709" y="5553266"/>
+            <a:ext cx="2436409" cy="369332"/>
+          </a:xfrm>
+          <a:prstGeom prst="rect">
+            <a:avLst/>
+          </a:prstGeom>
+          <a:noFill/>
+        </p:spPr>
+        <p:txBody>
+          <a:bodyPr wrap="none" rtlCol="0">
+            <a:spAutoFit/>
+          </a:bodyPr>
+          <a:lstStyle/>
+          <a:p>
+            <a:r>
+              <a:rPr lang="en-US" b="1" dirty="0" smtClean="0"/>
+              <a:t>CALCULATED DISTANCE</a:t>
+            </a:r>
+            <a:endParaRPr lang="en-US" b="1" dirty="0"/>
+          </a:p>
+        </p:txBody>
+      </p:sp>
+      <p:sp>
+        <p:nvSpPr>
+          <p:cNvPr id="9" name="TextBox 8"/>
+          <p:cNvSpPr txBox="1"/>
+          <p:nvPr/>
+        </p:nvSpPr>
+        <p:spPr>
+          <a:xfrm>
+            <a:off x="2151888" y="4539955"/>
+            <a:ext cx="373964" cy="369332"/>
+          </a:xfrm>
+          <a:prstGeom prst="rect">
+            <a:avLst/>
+          </a:prstGeom>
+          <a:ln>
+            <a:prstDash val="sysDash"/>
+          </a:ln>
+        </p:spPr>
+        <p:style>
+          <a:lnRef idx="2">
+            <a:schemeClr val="accent1"/>
+          </a:lnRef>
+          <a:fillRef idx="1">
+            <a:schemeClr val="lt1"/>
+          </a:fillRef>
+          <a:effectRef idx="0">
+            <a:schemeClr val="accent1"/>
+          </a:effectRef>
+          <a:fontRef idx="minor">
+            <a:schemeClr val="dk1"/>
+          </a:fontRef>
+        </p:style>
+        <p:txBody>
+          <a:bodyPr wrap="square" rtlCol="0">
+            <a:spAutoFit/>
+          </a:bodyPr>
+          <a:lstStyle/>
+          <a:p>
+            <a:r>
+              <a:rPr lang="en-US" dirty="0" smtClean="0"/>
+              <a:t>1</a:t>
+            </a:r>
+            <a:endParaRPr lang="en-US" dirty="0"/>
+          </a:p>
+        </p:txBody>
+      </p:sp>
+      <p:sp>
+        <p:nvSpPr>
+          <p:cNvPr id="11" name="TextBox 10"/>
+          <p:cNvSpPr txBox="1"/>
+          <p:nvPr/>
+        </p:nvSpPr>
+        <p:spPr>
+          <a:xfrm>
+            <a:off x="3832052" y="4538828"/>
+            <a:ext cx="373964" cy="369332"/>
+          </a:xfrm>
+          <a:prstGeom prst="rect">
+            <a:avLst/>
+          </a:prstGeom>
+          <a:ln>
+            <a:prstDash val="sysDash"/>
+          </a:ln>
+        </p:spPr>
+        <p:style>
+          <a:lnRef idx="2">
+            <a:schemeClr val="accent1"/>
+          </a:lnRef>
+          <a:fillRef idx="1">
+            <a:schemeClr val="lt1"/>
+          </a:fillRef>
+          <a:effectRef idx="0">
+            <a:schemeClr val="accent1"/>
+          </a:effectRef>
+          <a:fontRef idx="minor">
+            <a:schemeClr val="dk1"/>
+          </a:fontRef>
+        </p:style>
+        <p:txBody>
+          <a:bodyPr wrap="square" rtlCol="0">
+            <a:spAutoFit/>
+          </a:bodyPr>
+          <a:lstStyle/>
+          <a:p>
+            <a:r>
+              <a:rPr lang="en-US" dirty="0"/>
+              <a:t>2</a:t>
+            </a:r>
+          </a:p>
+        </p:txBody>
+      </p:sp>
+      <p:sp>
+        <p:nvSpPr>
+          <p:cNvPr id="12" name="TextBox 11"/>
+          <p:cNvSpPr txBox="1"/>
+          <p:nvPr/>
+        </p:nvSpPr>
+        <p:spPr>
+          <a:xfrm>
+            <a:off x="7222008" y="4537701"/>
+            <a:ext cx="373964" cy="369332"/>
+          </a:xfrm>
+          <a:prstGeom prst="rect">
+            <a:avLst/>
+          </a:prstGeom>
+          <a:ln>
+            <a:prstDash val="sysDash"/>
+          </a:ln>
+        </p:spPr>
+        <p:style>
+          <a:lnRef idx="2">
+            <a:schemeClr val="accent1"/>
+          </a:lnRef>
+          <a:fillRef idx="1">
+            <a:schemeClr val="lt1"/>
+          </a:fillRef>
+          <a:effectRef idx="0">
+            <a:schemeClr val="accent1"/>
+          </a:effectRef>
+          <a:fontRef idx="minor">
+            <a:schemeClr val="dk1"/>
+          </a:fontRef>
+        </p:style>
+        <p:txBody>
+          <a:bodyPr wrap="square" rtlCol="0">
+            <a:spAutoFit/>
+          </a:bodyPr>
+          <a:lstStyle/>
+          <a:p>
+            <a:r>
+              <a:rPr lang="en-US" dirty="0" smtClean="0"/>
+              <a:t>3</a:t>
+            </a:r>
+            <a:endParaRPr lang="en-US" dirty="0"/>
+          </a:p>
+        </p:txBody>
+      </p:sp>
+      <p:sp>
+        <p:nvSpPr>
+          <p:cNvPr id="13" name="Left-Right Arrow 12"/>
+          <p:cNvSpPr/>
+          <p:nvPr/>
+        </p:nvSpPr>
+        <p:spPr>
+          <a:xfrm>
+            <a:off x="2881702" y="4354506"/>
+            <a:ext cx="634953" cy="251221"/>
+          </a:xfrm>
+          <a:prstGeom prst="leftRightArrow">
+            <a:avLst/>
+          </a:prstGeom>
+          <a:solidFill>
+            <a:srgbClr val="55992B"/>
+          </a:solidFill>
+          <a:ln>
+            <a:noFill/>
+          </a:ln>
+          <a:effectLst/>
+        </p:spPr>
+        <p:style>
+          <a:lnRef idx="1">
+            <a:schemeClr val="accent1"/>
+          </a:lnRef>
+          <a:fillRef idx="3">
+            <a:schemeClr val="accent1"/>
+          </a:fillRef>
+          <a:effectRef idx="2">
+            <a:schemeClr val="accent1"/>
+          </a:effectRef>
+          <a:fontRef idx="minor">
+            <a:schemeClr val="lt1"/>
+          </a:fontRef>
+        </p:style>
+        <p:txBody>
+          <a:bodyPr rtlCol="0" anchor="ctr"/>
+          <a:lstStyle/>
+          <a:p>
+            <a:pPr algn="ctr"/>
+            <a:endParaRPr lang="en-US"/>
+          </a:p>
+        </p:txBody>
+      </p:sp>
+      <p:sp>
+        <p:nvSpPr>
+          <p:cNvPr id="14" name="Left-Right Arrow 13"/>
+          <p:cNvSpPr/>
+          <p:nvPr/>
+        </p:nvSpPr>
+        <p:spPr>
+          <a:xfrm>
+            <a:off x="4634346" y="4344063"/>
+            <a:ext cx="2197755" cy="251221"/>
+          </a:xfrm>
+          <a:prstGeom prst="leftRightArrow">
+            <a:avLst/>
+          </a:prstGeom>
+          <a:solidFill>
+            <a:srgbClr val="FF0000"/>
+          </a:solidFill>
+          <a:ln>
+            <a:noFill/>
+          </a:ln>
+          <a:effectLst/>
+        </p:spPr>
+        <p:style>
+          <a:lnRef idx="1">
+            <a:schemeClr val="accent1"/>
+          </a:lnRef>
+          <a:fillRef idx="3">
+            <a:schemeClr val="accent1"/>
+          </a:fillRef>
+          <a:effectRef idx="2">
+            <a:schemeClr val="accent1"/>
+          </a:effectRef>
+          <a:fontRef idx="minor">
+            <a:schemeClr val="lt1"/>
+          </a:fontRef>
+        </p:style>
+        <p:txBody>
+          <a:bodyPr rtlCol="0" anchor="ctr"/>
+          <a:lstStyle/>
+          <a:p>
+            <a:pPr algn="ctr"/>
+            <a:endParaRPr lang="en-US"/>
+          </a:p>
+        </p:txBody>
+      </p:sp>
+      <p:sp>
+        <p:nvSpPr>
+          <p:cNvPr id="15" name="TextBox 14"/>
+          <p:cNvSpPr txBox="1"/>
+          <p:nvPr/>
+        </p:nvSpPr>
+        <p:spPr>
+          <a:xfrm>
+            <a:off x="5526172" y="3796235"/>
+            <a:ext cx="410689" cy="584776"/>
+          </a:xfrm>
+          <a:prstGeom prst="rect">
+            <a:avLst/>
+          </a:prstGeom>
+          <a:noFill/>
+        </p:spPr>
+        <p:txBody>
+          <a:bodyPr wrap="none" rtlCol="0">
+            <a:spAutoFit/>
+          </a:bodyPr>
+          <a:lstStyle/>
+          <a:p>
+            <a:r>
+              <a:rPr lang="en-US" sz="3200" b="1" dirty="0" smtClean="0">
+                <a:solidFill>
+                  <a:srgbClr val="FF0000"/>
+                </a:solidFill>
+              </a:rPr>
+              <a:t>X</a:t>
+            </a:r>
+            <a:endParaRPr lang="en-US" sz="3200" b="1" dirty="0">
+              <a:solidFill>
+                <a:srgbClr val="FF0000"/>
+              </a:solidFill>
+            </a:endParaRPr>
+          </a:p>
+        </p:txBody>
+      </p:sp>
+      <p:sp>
+        <p:nvSpPr>
+          <p:cNvPr id="16" name="TextBox 15"/>
+          <p:cNvSpPr txBox="1"/>
+          <p:nvPr/>
+        </p:nvSpPr>
+        <p:spPr>
+          <a:xfrm>
+            <a:off x="2966846" y="3766068"/>
+            <a:ext cx="428322" cy="584776"/>
+          </a:xfrm>
+          <a:prstGeom prst="rect">
+            <a:avLst/>
+          </a:prstGeom>
+          <a:noFill/>
+        </p:spPr>
+        <p:txBody>
+          <a:bodyPr wrap="none" rtlCol="0">
+            <a:spAutoFit/>
+          </a:bodyPr>
+          <a:lstStyle/>
+          <a:p>
+            <a:r>
+              <a:rPr lang="en-US" sz="3200" b="1" dirty="0">
+                <a:solidFill>
+                  <a:schemeClr val="accent5"/>
+                </a:solidFill>
+              </a:rPr>
+              <a:t>V</a:t>
+            </a:r>
+          </a:p>
+        </p:txBody>
+      </p:sp>
     </p:spTree>
     <p:extLst>
       <p:ext uri="{BB962C8B-B14F-4D97-AF65-F5344CB8AC3E}">

--- a/doc/finalpresentation.pptx
+++ b/doc/finalpresentation.pptx
@@ -8713,8 +8713,19 @@
               <a:t> </a:t>
             </a:r>
             <a:r>
-              <a:rPr lang="en-US" sz="2000" dirty="0" err="1" smtClean="0"/>
-              <a:t>Startfish</a:t>
+              <a:rPr lang="en-US" sz="2000" dirty="0" smtClean="0"/>
+              <a:t>Starfish </a:t>
+            </a:r>
+            <a:r>
+              <a:rPr lang="en-US" sz="2000" dirty="0"/>
+              <a:t>users </a:t>
+            </a:r>
+            <a:endParaRPr lang="en-US" sz="2000" dirty="0" smtClean="0"/>
+          </a:p>
+          <a:p>
+            <a:r>
+              <a:rPr lang="en-US" sz="2000" b="1" dirty="0" smtClean="0"/>
+              <a:t>who</a:t>
             </a:r>
             <a:r>
               <a:rPr lang="en-US" sz="2000" dirty="0" smtClean="0"/>
@@ -8722,14 +8733,18 @@
             </a:r>
             <a:r>
               <a:rPr lang="en-US" sz="2000" dirty="0"/>
-              <a:t>users </a:t>
-            </a:r>
-            <a:endParaRPr lang="en-US" sz="2000" dirty="0" smtClean="0"/>
+              <a:t>search for and edit knowledge in </a:t>
+            </a:r>
+            <a:r>
+              <a:rPr lang="en-US" sz="2000" dirty="0" smtClean="0"/>
+              <a:t>Starfish</a:t>
+            </a:r>
+            <a:endParaRPr lang="en-US" sz="2000" dirty="0"/>
           </a:p>
           <a:p>
             <a:r>
               <a:rPr lang="en-US" sz="2000" b="1" dirty="0" smtClean="0"/>
-              <a:t>who</a:t>
+              <a:t>the</a:t>
             </a:r>
             <a:r>
               <a:rPr lang="en-US" sz="2000" dirty="0" smtClean="0"/>
@@ -8737,34 +8752,11 @@
             </a:r>
             <a:r>
               <a:rPr lang="en-US" sz="2000" dirty="0"/>
-              <a:t>search for and edit knowledge in </a:t>
+              <a:t>document linker is a core system addition to </a:t>
             </a:r>
             <a:r>
               <a:rPr lang="en-US" sz="2000" dirty="0" smtClean="0"/>
-              <a:t>Starfish</a:t>
-            </a:r>
-            <a:endParaRPr lang="en-US" sz="2000" dirty="0"/>
-          </a:p>
-          <a:p>
-            <a:r>
-              <a:rPr lang="en-US" sz="2000" b="1" dirty="0" smtClean="0"/>
-              <a:t>the</a:t>
-            </a:r>
-            <a:r>
-              <a:rPr lang="en-US" sz="2000" dirty="0" smtClean="0"/>
-              <a:t> </a:t>
-            </a:r>
-            <a:r>
-              <a:rPr lang="en-US" sz="2000" dirty="0"/>
-              <a:t>document linker is a core system addition to </a:t>
-            </a:r>
-            <a:r>
-              <a:rPr lang="en-US" sz="2000" dirty="0" err="1"/>
-              <a:t>StarFish</a:t>
-            </a:r>
-            <a:r>
-              <a:rPr lang="en-US" sz="2000" dirty="0"/>
-              <a:t> </a:t>
+              <a:t>Starfish </a:t>
             </a:r>
             <a:endParaRPr lang="en-US" sz="2000" dirty="0" smtClean="0"/>
           </a:p>
@@ -9620,7 +9612,7 @@
         <p:spPr/>
         <p:txBody>
           <a:bodyPr>
-            <a:normAutofit lnSpcReduction="10000"/>
+            <a:normAutofit fontScale="92500"/>
           </a:bodyPr>
           <a:lstStyle/>
           <a:p>
@@ -9669,20 +9661,20 @@
               <a:t>: </a:t>
             </a:r>
             <a:r>
-              <a:rPr lang="en-US" dirty="0" err="1" smtClean="0"/>
-              <a:t>occurences</a:t>
-            </a:r>
-            <a:r>
               <a:rPr lang="en-US" dirty="0" smtClean="0"/>
-              <a:t> and co-</a:t>
-            </a:r>
-            <a:r>
-              <a:rPr lang="en-US" dirty="0" err="1" smtClean="0"/>
-              <a:t>occurences</a:t>
+              <a:t>occurrences </a:t>
             </a:r>
             <a:r>
               <a:rPr lang="en-US" dirty="0" smtClean="0"/>
-              <a:t> of tags</a:t>
+              <a:t>and co</a:t>
+            </a:r>
+            <a:r>
+              <a:rPr lang="en-US" dirty="0" smtClean="0"/>
+              <a:t>-occurrences </a:t>
+            </a:r>
+            <a:r>
+              <a:rPr lang="en-US" dirty="0" smtClean="0"/>
+              <a:t>of tags</a:t>
             </a:r>
           </a:p>
           <a:p>
@@ -11623,20 +11615,26 @@
           <a:p>
             <a:r>
               <a:rPr lang="en-US" dirty="0" smtClean="0"/>
-              <a:t>Product pipeline</a:t>
-            </a:r>
+              <a:t>Product </a:t>
+            </a:r>
+            <a:r>
+              <a:rPr lang="en-US" dirty="0" smtClean="0"/>
+              <a:t>pipeline</a:t>
+            </a:r>
+          </a:p>
+          <a:p>
+            <a:r>
+              <a:rPr lang="en-US" dirty="0" smtClean="0"/>
+              <a:t>Demonstration</a:t>
+            </a:r>
+            <a:endParaRPr lang="en-US" dirty="0" smtClean="0"/>
           </a:p>
           <a:p>
             <a:r>
               <a:rPr lang="en-US" dirty="0" smtClean="0"/>
               <a:t>Evaluation</a:t>
             </a:r>
-          </a:p>
-          <a:p>
-            <a:r>
-              <a:rPr lang="en-US" dirty="0" smtClean="0"/>
-              <a:t>Demonstration</a:t>
-            </a:r>
+            <a:endParaRPr lang="en-US" dirty="0" smtClean="0"/>
           </a:p>
         </p:txBody>
       </p:sp>

--- a/doc/finalpresentation.pptx
+++ b/doc/finalpresentation.pptx
@@ -30,8 +30,9 @@
     <p:sldId id="272" r:id="rId24"/>
     <p:sldId id="285" r:id="rId25"/>
     <p:sldId id="264" r:id="rId26"/>
-    <p:sldId id="265" r:id="rId27"/>
-    <p:sldId id="260" r:id="rId28"/>
+    <p:sldId id="290" r:id="rId27"/>
+    <p:sldId id="265" r:id="rId28"/>
+    <p:sldId id="260" r:id="rId29"/>
   </p:sldIdLst>
   <p:sldSz cx="9144000" cy="6858000" type="screen4x3"/>
   <p:notesSz cx="6858000" cy="9144000"/>
@@ -19305,6 +19306,135 @@
           <a:p>
             <a:r>
               <a:rPr lang="en-US" dirty="0" smtClean="0"/>
+              <a:t>FUTURE WORK</a:t>
+            </a:r>
+            <a:endParaRPr lang="en-US" dirty="0"/>
+          </a:p>
+        </p:txBody>
+      </p:sp>
+      <p:sp>
+        <p:nvSpPr>
+          <p:cNvPr id="3" name="Content Placeholder 2"/>
+          <p:cNvSpPr>
+            <a:spLocks noGrp="1"/>
+          </p:cNvSpPr>
+          <p:nvPr>
+            <p:ph idx="1"/>
+          </p:nvPr>
+        </p:nvSpPr>
+        <p:spPr/>
+        <p:txBody>
+          <a:bodyPr/>
+          <a:lstStyle/>
+          <a:p>
+            <a:r>
+              <a:rPr lang="en-US" dirty="0" smtClean="0"/>
+              <a:t>Links in </a:t>
+            </a:r>
+            <a:r>
+              <a:rPr lang="en-US" dirty="0" smtClean="0"/>
+              <a:t>Starfish are directed, but now</a:t>
+            </a:r>
+            <a:r>
+              <a:rPr lang="en-US" dirty="0" smtClean="0"/>
+              <a:t> only </a:t>
+            </a:r>
+            <a:r>
+              <a:rPr lang="en-US" dirty="0" smtClean="0"/>
+              <a:t>outgoing links are proposed. </a:t>
+            </a:r>
+            <a:r>
+              <a:rPr lang="en-US" smtClean="0"/>
+              <a:t>Incoming </a:t>
+            </a:r>
+            <a:r>
+              <a:rPr lang="en-US" dirty="0" smtClean="0"/>
+              <a:t>links should also be proposed.</a:t>
+            </a:r>
+          </a:p>
+          <a:p>
+            <a:r>
+              <a:rPr lang="en-US" dirty="0" smtClean="0"/>
+              <a:t>Calculate link-probabilities if a larger data set is available</a:t>
+            </a:r>
+            <a:endParaRPr lang="en-US" dirty="0" smtClean="0"/>
+          </a:p>
+          <a:p>
+            <a:r>
+              <a:rPr lang="en-US" dirty="0" smtClean="0"/>
+              <a:t>Use LDA (</a:t>
+            </a:r>
+            <a:r>
+              <a:rPr lang="en-US" i="1" dirty="0" smtClean="0"/>
+              <a:t>Latent </a:t>
+            </a:r>
+            <a:r>
+              <a:rPr lang="en-US" i="1" dirty="0" err="1" smtClean="0"/>
+              <a:t>Dichliret</a:t>
+            </a:r>
+            <a:r>
+              <a:rPr lang="en-US" i="1" dirty="0" smtClean="0"/>
+              <a:t> Allocation</a:t>
+            </a:r>
+            <a:r>
+              <a:rPr lang="en-US" dirty="0" smtClean="0"/>
+              <a:t>) to generate topics </a:t>
+            </a:r>
+            <a:r>
+              <a:rPr lang="en-US" dirty="0" smtClean="0"/>
+              <a:t>if a document has no tags</a:t>
+            </a:r>
+            <a:endParaRPr lang="en-US" dirty="0"/>
+          </a:p>
+        </p:txBody>
+      </p:sp>
+    </p:spTree>
+    <p:extLst>
+      <p:ext uri="{BB962C8B-B14F-4D97-AF65-F5344CB8AC3E}">
+        <p14:creationId xmlns:p14="http://schemas.microsoft.com/office/powerpoint/2010/main" val="2635635739"/>
+      </p:ext>
+    </p:extLst>
+  </p:cSld>
+  <p:clrMapOvr>
+    <a:masterClrMapping/>
+  </p:clrMapOvr>
+</p:sld>
+</file>
+
+<file path=ppt/slides/slide27.xml><?xml version="1.0" encoding="utf-8"?>
+<p:sld xmlns:a="http://schemas.openxmlformats.org/drawingml/2006/main" xmlns:r="http://schemas.openxmlformats.org/officeDocument/2006/relationships" xmlns:p="http://schemas.openxmlformats.org/presentationml/2006/main">
+  <p:cSld>
+    <p:spTree>
+      <p:nvGrpSpPr>
+        <p:cNvPr id="1" name=""/>
+        <p:cNvGrpSpPr/>
+        <p:nvPr/>
+      </p:nvGrpSpPr>
+      <p:grpSpPr>
+        <a:xfrm>
+          <a:off x="0" y="0"/>
+          <a:ext cx="0" cy="0"/>
+          <a:chOff x="0" y="0"/>
+          <a:chExt cx="0" cy="0"/>
+        </a:xfrm>
+      </p:grpSpPr>
+      <p:sp>
+        <p:nvSpPr>
+          <p:cNvPr id="2" name="Title 1"/>
+          <p:cNvSpPr>
+            <a:spLocks noGrp="1"/>
+          </p:cNvSpPr>
+          <p:nvPr>
+            <p:ph type="title"/>
+          </p:nvPr>
+        </p:nvSpPr>
+        <p:spPr/>
+        <p:txBody>
+          <a:bodyPr/>
+          <a:lstStyle/>
+          <a:p>
+            <a:r>
+              <a:rPr lang="en-US" dirty="0" smtClean="0"/>
               <a:t>ACKNOWLEDGEMENTS</a:t>
             </a:r>
             <a:endParaRPr lang="en-US" dirty="0"/>
@@ -19429,7 +19559,7 @@
 </p:sld>
 </file>
 
-<file path=ppt/slides/slide27.xml><?xml version="1.0" encoding="utf-8"?>
+<file path=ppt/slides/slide28.xml><?xml version="1.0" encoding="utf-8"?>
 <p:sld xmlns:a="http://schemas.openxmlformats.org/drawingml/2006/main" xmlns:r="http://schemas.openxmlformats.org/officeDocument/2006/relationships" xmlns:p="http://schemas.openxmlformats.org/presentationml/2006/main">
   <p:cSld>
     <p:spTree>

--- a/doc/finalpresentation.pptx
+++ b/doc/finalpresentation.pptx
@@ -11635,6 +11635,12 @@
               <a:rPr lang="en-US" dirty="0" smtClean="0"/>
               <a:t>Evaluation</a:t>
             </a:r>
+          </a:p>
+          <a:p>
+            <a:r>
+              <a:rPr lang="en-US" dirty="0" smtClean="0"/>
+              <a:t>Conclusion and future work</a:t>
+            </a:r>
             <a:endParaRPr lang="en-US" dirty="0" smtClean="0"/>
           </a:p>
         </p:txBody>
@@ -19341,15 +19347,7 @@
             </a:r>
             <a:r>
               <a:rPr lang="en-US" dirty="0" smtClean="0"/>
-              <a:t>outgoing links are proposed. </a:t>
-            </a:r>
-            <a:r>
-              <a:rPr lang="en-US" smtClean="0"/>
-              <a:t>Incoming </a:t>
-            </a:r>
-            <a:r>
-              <a:rPr lang="en-US" dirty="0" smtClean="0"/>
-              <a:t>links should also be proposed.</a:t>
+              <a:t>outgoing links are proposed. Incoming links should also be proposed.</a:t>
             </a:r>
           </a:p>
           <a:p>
